--- a/OS-Neutron-Service-Plugin.pptx
+++ b/OS-Neutron-Service-Plugin.pptx
@@ -252,7 +252,7 @@
   </p:defaultTextStyle>
   <p:extLst>
     <p:ext uri="{EFAFB233-063F-42B5-8137-9DF3F51BA10A}">
-      <p15:sldGuideLst xmlns:p15="http://schemas.microsoft.com/office/powerpoint/2012/main">
+      <p15:sldGuideLst xmlns:p15="http://schemas.microsoft.com/office/powerpoint/2012/main" xmlns="">
         <p15:guide id="1" orient="horz" pos="1800" userDrawn="1">
           <p15:clr>
             <a:srgbClr val="A4A3A4"/>
@@ -5549,10 +5549,6 @@
           </p:nvPr>
         </p:nvSpPr>
         <p:spPr>
-          <a:xfrm>
-            <a:off x="685800" y="1759269"/>
-            <a:ext cx="7772400" cy="1288800"/>
-          </a:xfrm>
           <a:prstGeom prst="rect">
             <a:avLst/>
           </a:prstGeom>
@@ -5590,10 +5586,6 @@
           </p:nvPr>
         </p:nvSpPr>
         <p:spPr>
-          <a:xfrm>
-            <a:off x="685800" y="3155615"/>
-            <a:ext cx="7772400" cy="871800"/>
-          </a:xfrm>
           <a:prstGeom prst="rect">
             <a:avLst/>
           </a:prstGeom>
@@ -5605,9 +5597,23 @@
           <a:lstStyle/>
           <a:p>
             <a:r>
-              <a:rPr lang="en"/>
-              <a:t>Basics, Services and Random Topics</a:t>
-            </a:r>
+              <a:rPr lang="en" dirty="0"/>
+              <a:t>Basics, Services and Random </a:t>
+            </a:r>
+            <a:r>
+              <a:rPr lang="en" dirty="0" smtClean="0"/>
+              <a:t>Topics</a:t>
+            </a:r>
+          </a:p>
+          <a:p>
+            <a:endParaRPr lang="en" dirty="0"/>
+          </a:p>
+          <a:p>
+            <a:r>
+              <a:rPr lang="en" smtClean="0"/>
+              <a:t>Shreyansh Jain</a:t>
+            </a:r>
+            <a:endParaRPr lang="en"/>
           </a:p>
         </p:txBody>
       </p:sp>
@@ -11330,11 +11336,7 @@
             </a:r>
             <a:r>
               <a:rPr lang="en-US" sz="1800" dirty="0" smtClean="0"/>
-              <a:t> Agent API </a:t>
-            </a:r>
-            <a:r>
-              <a:rPr lang="en-US" sz="1800" dirty="0" smtClean="0"/>
-              <a:t>Handling</a:t>
+              <a:t> Agent API Handling</a:t>
             </a:r>
             <a:endParaRPr lang="en-US" sz="1800" dirty="0"/>
           </a:p>
@@ -13969,11 +13971,7 @@
           <a:p>
             <a:r>
               <a:rPr lang="en-US" sz="1800" dirty="0" smtClean="0"/>
-              <a:t>Extension/Advanced Services: </a:t>
-            </a:r>
-            <a:r>
-              <a:rPr lang="en-US" sz="1800" dirty="0" smtClean="0"/>
-              <a:t>HA Proxy Driver</a:t>
+              <a:t>Extension/Advanced Services: HA Proxy Driver</a:t>
             </a:r>
             <a:endParaRPr lang="en-US" sz="1800" dirty="0"/>
           </a:p>

--- a/OS-Neutron-Service-Plugin.pptx
+++ b/OS-Neutron-Service-Plugin.pptx
@@ -7706,9 +7706,25 @@
           <a:lstStyle/>
           <a:p>
             <a:r>
-              <a:rPr lang="en"/>
-              <a:t>Basics, Services and Random Topics</a:t>
-            </a:r>
+              <a:rPr lang="en" dirty="0"/>
+              <a:t>Basics, Services and Random </a:t>
+            </a:r>
+            <a:r>
+              <a:rPr lang="en" dirty="0" smtClean="0"/>
+              <a:t>Topics</a:t>
+            </a:r>
+            <a:endParaRPr lang="en-US" dirty="0" smtClean="0"/>
+          </a:p>
+          <a:p>
+            <a:r>
+              <a:rPr lang="en-US" dirty="0" err="1" smtClean="0"/>
+              <a:t>Shreyansh</a:t>
+            </a:r>
+            <a:r>
+              <a:rPr lang="en-US" smtClean="0"/>
+              <a:t> Jain</a:t>
+            </a:r>
+            <a:endParaRPr lang="en"/>
           </a:p>
         </p:txBody>
       </p:sp>
